--- a/doc/SharedScreenFlowControl.pptx
+++ b/doc/SharedScreenFlowControl.pptx
@@ -221,7 +221,7 @@
           <a:p>
             <a:fld id="{46EE62DF-6782-4E4A-8A92-5270BA1E6398}" type="datetime1">
               <a:rPr kumimoji="1" lang="ja-JP" altLang="en-US" smtClean="0"/>
-              <a:t>2015/04/19</a:t>
+              <a:t>2015/04/20</a:t>
             </a:fld>
             <a:endParaRPr kumimoji="1" lang="ja-JP" altLang="en-US"/>
           </a:p>
@@ -387,7 +387,7 @@
           <a:p>
             <a:fld id="{7A51BCA0-F3B2-C544-9BA9-81EF04F0D651}" type="datetime1">
               <a:rPr kumimoji="1" lang="ja-JP" altLang="en-US" smtClean="0"/>
-              <a:t>2015/04/19</a:t>
+              <a:t>2015/04/20</a:t>
             </a:fld>
             <a:endParaRPr kumimoji="1" lang="ja-JP" altLang="en-US"/>
           </a:p>
@@ -953,7 +953,7 @@
           <a:p>
             <a:fld id="{04E88D75-5A58-FB4D-903C-850983843174}" type="datetime1">
               <a:rPr kumimoji="1" lang="ja-JP" altLang="en-US" smtClean="0"/>
-              <a:t>2015/04/19</a:t>
+              <a:t>2015/04/20</a:t>
             </a:fld>
             <a:endParaRPr kumimoji="1" lang="ja-JP" altLang="en-US"/>
           </a:p>
@@ -1156,7 +1156,7 @@
           <a:p>
             <a:fld id="{89F21FAF-248C-8840-AF2D-BCD8549BFABA}" type="datetime1">
               <a:rPr kumimoji="1" lang="ja-JP" altLang="en-US" smtClean="0"/>
-              <a:t>2015/04/19</a:t>
+              <a:t>2015/04/20</a:t>
             </a:fld>
             <a:endParaRPr kumimoji="1" lang="ja-JP" altLang="en-US"/>
           </a:p>
@@ -1368,7 +1368,7 @@
           <a:p>
             <a:fld id="{1E65A084-CA5B-FA42-8648-0DED826B957B}" type="datetime1">
               <a:rPr kumimoji="1" lang="ja-JP" altLang="en-US" smtClean="0"/>
-              <a:t>2015/04/19</a:t>
+              <a:t>2015/04/20</a:t>
             </a:fld>
             <a:endParaRPr kumimoji="1" lang="ja-JP" altLang="en-US"/>
           </a:p>
@@ -1570,7 +1570,7 @@
           <a:p>
             <a:fld id="{6DCAED61-6DE4-4940-A881-4A82EE878CCE}" type="datetime1">
               <a:rPr kumimoji="1" lang="ja-JP" altLang="en-US" smtClean="0"/>
-              <a:t>2015/04/19</a:t>
+              <a:t>2015/04/20</a:t>
             </a:fld>
             <a:endParaRPr kumimoji="1" lang="ja-JP" altLang="en-US"/>
           </a:p>
@@ -1816,7 +1816,7 @@
           <a:p>
             <a:fld id="{8ED07195-26D6-E349-A396-A06C8EAEDDC2}" type="datetime1">
               <a:rPr kumimoji="1" lang="ja-JP" altLang="en-US" smtClean="0"/>
-              <a:t>2015/04/19</a:t>
+              <a:t>2015/04/20</a:t>
             </a:fld>
             <a:endParaRPr kumimoji="1" lang="ja-JP" altLang="en-US"/>
           </a:p>
@@ -2168,7 +2168,7 @@
           <a:p>
             <a:fld id="{B0CA6B75-10F7-DE46-83BC-B96B6D31B8FB}" type="datetime1">
               <a:rPr kumimoji="1" lang="ja-JP" altLang="en-US" smtClean="0"/>
-              <a:t>2015/04/19</a:t>
+              <a:t>2015/04/20</a:t>
             </a:fld>
             <a:endParaRPr kumimoji="1" lang="ja-JP" altLang="en-US"/>
           </a:p>
@@ -2654,7 +2654,7 @@
           <a:p>
             <a:fld id="{DD4DA7EC-178E-0A41-BFF8-750AAF5B59F6}" type="datetime1">
               <a:rPr kumimoji="1" lang="ja-JP" altLang="en-US" smtClean="0"/>
-              <a:t>2015/04/19</a:t>
+              <a:t>2015/04/20</a:t>
             </a:fld>
             <a:endParaRPr kumimoji="1" lang="ja-JP" altLang="en-US"/>
           </a:p>
@@ -2772,7 +2772,7 @@
           <a:p>
             <a:fld id="{02D6B75D-5DC6-4B40-BCDB-F6804776FE46}" type="datetime1">
               <a:rPr kumimoji="1" lang="ja-JP" altLang="en-US" smtClean="0"/>
-              <a:t>2015/04/19</a:t>
+              <a:t>2015/04/20</a:t>
             </a:fld>
             <a:endParaRPr kumimoji="1" lang="ja-JP" altLang="en-US"/>
           </a:p>
@@ -2867,7 +2867,7 @@
           <a:p>
             <a:fld id="{087BD521-91B0-1D45-A30F-48FF09765FA8}" type="datetime1">
               <a:rPr kumimoji="1" lang="ja-JP" altLang="en-US" smtClean="0"/>
-              <a:t>2015/04/19</a:t>
+              <a:t>2015/04/20</a:t>
             </a:fld>
             <a:endParaRPr kumimoji="1" lang="ja-JP" altLang="en-US"/>
           </a:p>
@@ -3176,7 +3176,7 @@
           <a:p>
             <a:fld id="{1507D4E6-DE40-1E42-9141-8855CD460500}" type="datetime1">
               <a:rPr kumimoji="1" lang="ja-JP" altLang="en-US" smtClean="0"/>
-              <a:t>2015/04/19</a:t>
+              <a:t>2015/04/20</a:t>
             </a:fld>
             <a:endParaRPr kumimoji="1" lang="ja-JP" altLang="en-US"/>
           </a:p>
@@ -3430,7 +3430,7 @@
           <a:p>
             <a:fld id="{7FB23533-89CC-304D-8DEA-2437E1F5D302}" type="datetime1">
               <a:rPr kumimoji="1" lang="ja-JP" altLang="en-US" smtClean="0"/>
-              <a:t>2015/04/19</a:t>
+              <a:t>2015/04/20</a:t>
             </a:fld>
             <a:endParaRPr kumimoji="1" lang="ja-JP" altLang="en-US"/>
           </a:p>
@@ -3675,7 +3675,7 @@
           <a:p>
             <a:fld id="{DEA1282D-3C60-274A-B73E-8E5A3CA94821}" type="datetime1">
               <a:rPr kumimoji="1" lang="ja-JP" altLang="en-US" smtClean="0"/>
-              <a:t>2015/04/19</a:t>
+              <a:t>2015/04/20</a:t>
             </a:fld>
             <a:endParaRPr kumimoji="1" lang="ja-JP" altLang="en-US"/>
           </a:p>
@@ -4438,19 +4438,7 @@
                       </a:pPr>
                       <a:r>
                         <a:rPr lang="ja-JP" altLang="en-US" sz="3600" dirty="0" smtClean="0"/>
-                        <a:t>呼び出し</a:t>
-                      </a:r>
-                      <a:r>
-                        <a:rPr lang="ja-JP" altLang="en-US" sz="3600" dirty="0" smtClean="0"/>
-                        <a:t>元</a:t>
-                      </a:r>
-                      <a:r>
-                        <a:rPr lang="ja-JP" altLang="en-US" sz="3600" dirty="0" smtClean="0"/>
-                        <a:t>の画面に戻るためのパス情報の引き回し</a:t>
-                      </a:r>
-                      <a:r>
-                        <a:rPr lang="ja-JP" altLang="en-US" sz="3600" dirty="0" smtClean="0"/>
-                        <a:t>方法</a:t>
+                        <a:t>呼び出し元の画面に戻るためのパス情報の引き回し方法</a:t>
                       </a:r>
                       <a:endParaRPr lang="en-US" altLang="ja-JP" sz="3600" u="sng" dirty="0" smtClean="0">
                         <a:solidFill>
@@ -4691,15 +4679,7 @@
           <a:p>
             <a:r>
               <a:rPr lang="ja-JP" altLang="en-US" sz="4000" dirty="0" smtClean="0"/>
-              <a:t>１．</a:t>
-            </a:r>
-            <a:r>
-              <a:rPr lang="ja-JP" altLang="en-US" sz="4000" dirty="0" smtClean="0"/>
-              <a:t>パス情報の引き回し方法</a:t>
-            </a:r>
-            <a:r>
-              <a:rPr lang="ja-JP" altLang="en-US" sz="4000" dirty="0" smtClean="0"/>
-              <a:t>（</a:t>
+              <a:t>１．パス情報の引き回し方法（</a:t>
             </a:r>
             <a:r>
               <a:rPr lang="en-US" altLang="ja-JP" sz="4000" dirty="0" smtClean="0"/>
@@ -4756,19 +4736,7 @@
             </a:r>
             <a:r>
               <a:rPr lang="ja-JP" altLang="en-US" sz="3600" dirty="0" smtClean="0"/>
-              <a:t>）をリクエストパラメータを使って引き回すための</a:t>
-            </a:r>
-            <a:r>
-              <a:rPr lang="ja-JP" altLang="en-US" sz="3600" dirty="0" smtClean="0"/>
-              <a:t>効率的</a:t>
-            </a:r>
-            <a:r>
-              <a:rPr lang="ja-JP" altLang="en-US" sz="3600" dirty="0" smtClean="0"/>
-              <a:t>な</a:t>
-            </a:r>
-            <a:r>
-              <a:rPr lang="ja-JP" altLang="en-US" sz="3600" dirty="0" smtClean="0"/>
-              <a:t>コーディング方法を紹介する。</a:t>
+              <a:t>）をリクエストパラメータを使って引き回すための効率的なコーディング方法を紹介する。</a:t>
             </a:r>
             <a:endParaRPr lang="en-US" altLang="ja-JP" sz="3600" dirty="0" smtClean="0"/>
           </a:p>
@@ -4925,11 +4893,7 @@
           <a:p>
             <a:r>
               <a:rPr lang="ja-JP" altLang="en-US" sz="4000" dirty="0" smtClean="0"/>
-              <a:t>１．</a:t>
-            </a:r>
-            <a:r>
-              <a:rPr lang="ja-JP" altLang="en-US" sz="4000" dirty="0" smtClean="0"/>
-              <a:t>パス情報の引き回し方法（</a:t>
+              <a:t>１．パス情報の引き回し方法（</a:t>
             </a:r>
             <a:r>
               <a:rPr lang="en-US" altLang="ja-JP" sz="4000" dirty="0"/>
@@ -4974,19 +4938,7 @@
             </a:pPr>
             <a:r>
               <a:rPr lang="ja-JP" altLang="en-US" sz="3600" dirty="0" smtClean="0"/>
-              <a:t>まず、</a:t>
-            </a:r>
-            <a:r>
-              <a:rPr lang="ja-JP" altLang="en-US" sz="3600" dirty="0" smtClean="0"/>
-              <a:t>呼び出し元の画面に戻るためのパス情報</a:t>
-            </a:r>
-            <a:r>
-              <a:rPr lang="ja-JP" altLang="en-US" sz="3600" dirty="0" smtClean="0"/>
-              <a:t>を</a:t>
-            </a:r>
-            <a:r>
-              <a:rPr lang="ja-JP" altLang="en-US" sz="3600" dirty="0" smtClean="0"/>
-              <a:t>引き回すための共通部品を作成するとよい。</a:t>
+              <a:t>まず、呼び出し元の画面に戻るためのパス情報を引き回すための共通部品を作成するとよい。</a:t>
             </a:r>
             <a:endParaRPr lang="en-US" altLang="ja-JP" sz="3600" dirty="0" smtClean="0"/>
           </a:p>
@@ -5079,11 +5031,7 @@
           <a:p>
             <a:r>
               <a:rPr lang="ja-JP" altLang="en-US" sz="4000" dirty="0" smtClean="0"/>
-              <a:t>１．</a:t>
-            </a:r>
-            <a:r>
-              <a:rPr lang="ja-JP" altLang="en-US" sz="4000" dirty="0" smtClean="0"/>
-              <a:t>パス情報の引き回し方法（</a:t>
+              <a:t>１．パス情報の引き回し方法（</a:t>
             </a:r>
             <a:r>
               <a:rPr lang="en-US" altLang="ja-JP" sz="4000" dirty="0" smtClean="0"/>
@@ -6116,11 +6064,7 @@
           <a:p>
             <a:r>
               <a:rPr lang="ja-JP" altLang="en-US" sz="4000" dirty="0" smtClean="0"/>
-              <a:t>１．</a:t>
-            </a:r>
-            <a:r>
-              <a:rPr lang="ja-JP" altLang="en-US" sz="4000" dirty="0" smtClean="0"/>
-              <a:t>パス情報の引き回し方法（</a:t>
+              <a:t>１．パス情報の引き回し方法（</a:t>
             </a:r>
             <a:r>
               <a:rPr lang="en-US" altLang="ja-JP" sz="4000" dirty="0" smtClean="0"/>
@@ -6423,11 +6367,6 @@
               </a:rPr>
               <a:t>” value=“….”&gt;</a:t>
             </a:r>
-            <a:endParaRPr lang="en-US" altLang="ja-JP" b="1" dirty="0" smtClean="0">
-              <a:solidFill>
-                <a:srgbClr val="FF0000"/>
-              </a:solidFill>
-            </a:endParaRPr>
           </a:p>
           <a:p>
             <a:r>
@@ -6614,11 +6553,7 @@
           <a:p>
             <a:r>
               <a:rPr lang="ja-JP" altLang="en-US" sz="4000" dirty="0" smtClean="0"/>
-              <a:t>１．</a:t>
-            </a:r>
-            <a:r>
-              <a:rPr lang="ja-JP" altLang="en-US" sz="4000" dirty="0" smtClean="0"/>
-              <a:t>パス情報の引き回し方法（</a:t>
+              <a:t>１．パス情報の引き回し方法（</a:t>
             </a:r>
             <a:r>
               <a:rPr lang="en-US" altLang="ja-JP" sz="4000" dirty="0"/>
@@ -6765,11 +6700,7 @@
           <a:p>
             <a:r>
               <a:rPr lang="en-US" altLang="ja-JP" dirty="0" smtClean="0"/>
-              <a:t>    </a:t>
-            </a:r>
-            <a:r>
-              <a:rPr lang="en-US" altLang="ja-JP" dirty="0" smtClean="0"/>
-              <a:t>page</a:t>
+              <a:t>    page</a:t>
             </a:r>
             <a:r>
               <a:rPr lang="en-US" altLang="ja-JP" dirty="0"/>
@@ -7014,11 +6945,7 @@
           <a:p>
             <a:r>
               <a:rPr lang="ja-JP" altLang="en-US" sz="4000" dirty="0" smtClean="0"/>
-              <a:t>１．</a:t>
-            </a:r>
-            <a:r>
-              <a:rPr lang="ja-JP" altLang="en-US" sz="4000" dirty="0" smtClean="0"/>
-              <a:t>パス情報の引き回し方法（</a:t>
+              <a:t>１．パス情報の引き回し方法（</a:t>
             </a:r>
             <a:r>
               <a:rPr lang="en-US" altLang="ja-JP" sz="4000" dirty="0" smtClean="0"/>
@@ -7059,11 +6986,7 @@
             </a:pPr>
             <a:r>
               <a:rPr lang="ja-JP" altLang="en-US" sz="3600" dirty="0" smtClean="0"/>
-              <a:t>アンカー</a:t>
-            </a:r>
-            <a:r>
-              <a:rPr lang="ja-JP" altLang="en-US" sz="3600" dirty="0" smtClean="0"/>
-              <a:t>（</a:t>
+              <a:t>アンカー（</a:t>
             </a:r>
             <a:r>
               <a:rPr lang="en-US" altLang="ja-JP" sz="3600" dirty="0" smtClean="0"/>
@@ -7071,11 +6994,7 @@
             </a:r>
             <a:r>
               <a:rPr lang="ja-JP" altLang="en-US" sz="3600" dirty="0" smtClean="0"/>
-              <a:t>タグ）</a:t>
-            </a:r>
-            <a:r>
-              <a:rPr lang="ja-JP" altLang="en-US" sz="3600" dirty="0" smtClean="0"/>
-              <a:t>を使ってリクエストを送信する場合は、共通ライブラリが提供している</a:t>
+              <a:t>タグ）を使ってリクエストを送信する場合は、共通ライブラリが提供している</a:t>
             </a:r>
             <a:r>
               <a:rPr lang="en-US" altLang="ja-JP" sz="3600" dirty="0" smtClean="0"/>
@@ -7091,15 +7010,7 @@
             </a:r>
             <a:r>
               <a:rPr lang="ja-JP" altLang="en-US" sz="3600" dirty="0" smtClean="0"/>
-              <a:t>）を使って、</a:t>
-            </a:r>
-            <a:r>
-              <a:rPr lang="ja-JP" altLang="en-US" sz="3600" dirty="0" smtClean="0"/>
-              <a:t>リクエストスコープに格納されている</a:t>
-            </a:r>
-            <a:r>
-              <a:rPr lang="ja-JP" altLang="en-US" sz="3600" dirty="0" smtClean="0"/>
-              <a:t>パス情報を保持する</a:t>
+              <a:t>）を使って、リクエストスコープに格納されているパス情報を保持する</a:t>
             </a:r>
             <a:r>
               <a:rPr lang="en-US" altLang="ja-JP" sz="3600" dirty="0" smtClean="0"/>
@@ -7520,11 +7431,7 @@
             </a:r>
             <a:r>
               <a:rPr lang="ja-JP" altLang="en-US" sz="4000" dirty="0" smtClean="0"/>
-              <a:t>．呼び出し元へ戻る方法</a:t>
-            </a:r>
-            <a:r>
-              <a:rPr lang="ja-JP" altLang="en-US" sz="4000" dirty="0" smtClean="0"/>
-              <a:t>（</a:t>
+              <a:t>．呼び出し元へ戻る方法（</a:t>
             </a:r>
             <a:r>
               <a:rPr lang="en-US" altLang="ja-JP" sz="4000" dirty="0" smtClean="0"/>
@@ -8030,11 +7937,7 @@
             </a:r>
             <a:r>
               <a:rPr lang="ja-JP" altLang="en-US" sz="4000" dirty="0" smtClean="0"/>
-              <a:t>．呼び出し元へ戻る方法</a:t>
-            </a:r>
-            <a:r>
-              <a:rPr lang="ja-JP" altLang="en-US" sz="4000" dirty="0" smtClean="0"/>
-              <a:t>（</a:t>
+              <a:t>．呼び出し元へ戻る方法（</a:t>
             </a:r>
             <a:r>
               <a:rPr lang="en-US" altLang="ja-JP" sz="4000" dirty="0"/>
@@ -8193,11 +8096,7 @@
             </a:r>
             <a:r>
               <a:rPr lang="en-US" altLang="ja-JP" dirty="0" smtClean="0"/>
-              <a:t>=</a:t>
-            </a:r>
-            <a:r>
-              <a:rPr lang="en-US" altLang="ja-JP" dirty="0" smtClean="0"/>
-              <a:t>”</a:t>
+              <a:t>=”</a:t>
             </a:r>
             <a:r>
               <a:rPr lang="en-US" altLang="ja-JP" b="1" dirty="0" smtClean="0">
@@ -8482,11 +8381,7 @@
           <a:p>
             <a:r>
               <a:rPr lang="ja-JP" altLang="en-US" sz="3600" dirty="0" smtClean="0"/>
-              <a:t>共通部品</a:t>
-            </a:r>
-            <a:r>
-              <a:rPr lang="ja-JP" altLang="en-US" sz="3600" dirty="0" smtClean="0"/>
-              <a:t>のサンプルの解説を簡単に行っておきます。</a:t>
+              <a:t>共通部品のサンプルの解説を簡単に行っておきます。</a:t>
             </a:r>
             <a:endParaRPr lang="en-US" altLang="ja-JP" sz="3600" dirty="0" smtClean="0"/>
           </a:p>
@@ -9210,24 +9105,40 @@
               <a:t>return </a:t>
             </a:r>
             <a:r>
+              <a:rPr lang="en-US" altLang="ja-JP" sz="1400" dirty="0"/>
+              <a:t>!</a:t>
+            </a:r>
+            <a:r>
+              <a:rPr lang="en-US" altLang="ja-JP" sz="1400" dirty="0" err="1"/>
+              <a:t>StringUtils.</a:t>
+            </a:r>
+            <a:r>
+              <a:rPr lang="en-US" altLang="ja-JP" sz="1400" i="1" dirty="0" err="1"/>
+              <a:t>hasText</a:t>
+            </a:r>
+            <a:r>
+              <a:rPr lang="en-US" altLang="ja-JP" sz="1400" dirty="0"/>
+              <a:t>(</a:t>
+            </a:r>
+            <a:r>
               <a:rPr lang="en-US" altLang="ja-JP" sz="1400" dirty="0" err="1"/>
               <a:t>flowFinishPath</a:t>
             </a:r>
             <a:r>
               <a:rPr lang="en-US" altLang="ja-JP" sz="1400" dirty="0"/>
-              <a:t> </a:t>
-            </a:r>
-            <a:r>
-              <a:rPr lang="en-US" altLang="ja-JP" sz="1400" dirty="0" smtClean="0"/>
-              <a:t>== null</a:t>
+              <a:t>) &amp;&amp; !</a:t>
+            </a:r>
+            <a:r>
+              <a:rPr lang="en-US" altLang="ja-JP" sz="1400" dirty="0" err="1"/>
+              <a:t>StringUtils.</a:t>
+            </a:r>
+            <a:r>
+              <a:rPr lang="en-US" altLang="ja-JP" sz="1400" i="1" dirty="0" err="1"/>
+              <a:t>hasText</a:t>
             </a:r>
             <a:r>
               <a:rPr lang="en-US" altLang="ja-JP" sz="1400" dirty="0"/>
-              <a:t> </a:t>
-            </a:r>
-            <a:r>
-              <a:rPr lang="en-US" altLang="ja-JP" sz="1400" dirty="0" smtClean="0"/>
-              <a:t>&amp;&amp; </a:t>
+              <a:t>(</a:t>
             </a:r>
             <a:r>
               <a:rPr lang="en-US" altLang="ja-JP" sz="1400" dirty="0" err="1"/>
@@ -9235,45 +9146,239 @@
             </a:r>
             <a:r>
               <a:rPr lang="en-US" altLang="ja-JP" sz="1400" dirty="0"/>
-              <a:t> </a:t>
-            </a:r>
-            <a:r>
-              <a:rPr lang="en-US" altLang="ja-JP" sz="1400" dirty="0" smtClean="0"/>
-              <a:t>== </a:t>
-            </a:r>
-            <a:r>
-              <a:rPr lang="en-US" altLang="ja-JP" sz="1400" dirty="0"/>
-              <a:t>null</a:t>
+              <a:t>)</a:t>
             </a:r>
             <a:r>
               <a:rPr lang="en-US" altLang="ja-JP" sz="1400" dirty="0" smtClean="0"/>
               <a:t>;</a:t>
+            </a:r>
+          </a:p>
+          <a:p>
+            <a:r>
+              <a:rPr lang="en-US" altLang="ja-JP" sz="1400" dirty="0" smtClean="0"/>
+              <a:t>    </a:t>
+            </a:r>
+            <a:r>
+              <a:rPr lang="en-US" altLang="ja-JP" sz="1400" dirty="0" smtClean="0"/>
+              <a:t>}</a:t>
             </a:r>
             <a:br>
               <a:rPr lang="en-US" altLang="ja-JP" sz="1400" dirty="0" smtClean="0"/>
             </a:br>
             <a:r>
+              <a:rPr lang="en-US" altLang="ja-JP" sz="1400" b="1" dirty="0" smtClean="0"/>
+              <a:t>    </a:t>
+            </a:r>
+            <a:r>
+              <a:rPr lang="en-US" altLang="ja-JP" sz="1400" b="1" dirty="0"/>
+              <a:t>public void </a:t>
+            </a:r>
+            <a:r>
+              <a:rPr lang="en-US" altLang="ja-JP" sz="1400" b="1" dirty="0" err="1" smtClean="0"/>
+              <a:t>validatePaths</a:t>
+            </a:r>
+            <a:r>
+              <a:rPr lang="en-US" altLang="ja-JP" sz="1400" b="1" dirty="0" smtClean="0"/>
+              <a:t>() {</a:t>
+            </a:r>
+            <a:br>
+              <a:rPr lang="en-US" altLang="ja-JP" sz="1400" b="1" dirty="0" smtClean="0"/>
+            </a:br>
+            <a:r>
+              <a:rPr lang="en-US" altLang="ja-JP" sz="1400" b="1" dirty="0" smtClean="0"/>
+              <a:t>        </a:t>
+            </a:r>
+            <a:r>
+              <a:rPr lang="en-US" altLang="ja-JP" sz="1400" b="1" dirty="0" err="1" smtClean="0"/>
+              <a:t>validateAllowedPath</a:t>
+            </a:r>
+            <a:r>
+              <a:rPr lang="en-US" altLang="ja-JP" sz="1400" b="1" dirty="0" smtClean="0"/>
+              <a:t>(</a:t>
+            </a:r>
+            <a:r>
+              <a:rPr lang="en-US" altLang="ja-JP" sz="1400" b="1" dirty="0" err="1"/>
+              <a:t>flowFinishPath</a:t>
+            </a:r>
+            <a:r>
+              <a:rPr lang="en-US" altLang="ja-JP" sz="1400" b="1" dirty="0" smtClean="0"/>
+              <a:t>, </a:t>
+            </a:r>
+            <a:r>
+              <a:rPr lang="en-US" altLang="ja-JP" sz="1400" b="1" dirty="0"/>
+              <a:t>"finish path"</a:t>
+            </a:r>
+            <a:r>
+              <a:rPr lang="en-US" altLang="ja-JP" sz="1400" b="1" dirty="0" smtClean="0"/>
+              <a:t>);</a:t>
+            </a:r>
+            <a:br>
+              <a:rPr lang="en-US" altLang="ja-JP" sz="1400" b="1" dirty="0" smtClean="0"/>
+            </a:br>
+            <a:r>
+              <a:rPr lang="en-US" altLang="ja-JP" sz="1400" b="1" dirty="0" smtClean="0"/>
+              <a:t>        </a:t>
+            </a:r>
+            <a:r>
+              <a:rPr lang="en-US" altLang="ja-JP" sz="1400" b="1" dirty="0" err="1" smtClean="0"/>
+              <a:t>validateAllowedPath</a:t>
+            </a:r>
+            <a:r>
+              <a:rPr lang="en-US" altLang="ja-JP" sz="1400" b="1" dirty="0" smtClean="0"/>
+              <a:t>(</a:t>
+            </a:r>
+            <a:r>
+              <a:rPr lang="en-US" altLang="ja-JP" sz="1400" b="1" dirty="0" err="1"/>
+              <a:t>flowCancelPath</a:t>
+            </a:r>
+            <a:r>
+              <a:rPr lang="en-US" altLang="ja-JP" sz="1400" b="1" dirty="0" smtClean="0"/>
+              <a:t>, </a:t>
+            </a:r>
+            <a:r>
+              <a:rPr lang="en-US" altLang="ja-JP" sz="1400" b="1" dirty="0"/>
+              <a:t>"cancel path"</a:t>
+            </a:r>
+            <a:r>
+              <a:rPr lang="en-US" altLang="ja-JP" sz="1400" b="1" dirty="0" smtClean="0"/>
+              <a:t>);</a:t>
+            </a:r>
+            <a:br>
+              <a:rPr lang="en-US" altLang="ja-JP" sz="1400" b="1" dirty="0" smtClean="0"/>
+            </a:br>
+            <a:r>
+              <a:rPr lang="en-US" altLang="ja-JP" sz="1400" b="1" dirty="0" smtClean="0"/>
+              <a:t>    }</a:t>
+            </a:r>
+            <a:br>
+              <a:rPr lang="en-US" altLang="ja-JP" sz="1400" b="1" dirty="0" smtClean="0"/>
+            </a:br>
+            <a:r>
               <a:rPr lang="en-US" altLang="ja-JP" sz="1400" dirty="0" smtClean="0"/>
-              <a:t>    }</a:t>
+              <a:t>    </a:t>
+            </a:r>
+            <a:r>
+              <a:rPr lang="en-US" altLang="ja-JP" sz="1400" dirty="0"/>
+              <a:t>public void </a:t>
+            </a:r>
+            <a:r>
+              <a:rPr lang="en-US" altLang="ja-JP" sz="1400" dirty="0" err="1" smtClean="0"/>
+              <a:t>finalizePaths</a:t>
+            </a:r>
+            <a:r>
+              <a:rPr lang="en-US" altLang="ja-JP" sz="1400" dirty="0" smtClean="0"/>
+              <a:t>() {</a:t>
             </a:r>
             <a:br>
               <a:rPr lang="en-US" altLang="ja-JP" sz="1400" dirty="0" smtClean="0"/>
             </a:br>
             <a:r>
+              <a:rPr lang="en-US" altLang="ja-JP" sz="1400" dirty="0" smtClean="0"/>
+              <a:t>        </a:t>
+            </a:r>
+            <a:r>
+              <a:rPr lang="en-US" altLang="ja-JP" sz="1400" dirty="0"/>
+              <a:t>if </a:t>
+            </a:r>
+            <a:r>
+              <a:rPr lang="en-US" altLang="ja-JP" sz="1400" dirty="0" smtClean="0"/>
+              <a:t>(</a:t>
+            </a:r>
+            <a:r>
+              <a:rPr lang="en-US" altLang="ja-JP" sz="1400" dirty="0" err="1"/>
+              <a:t>flowCancelPath</a:t>
+            </a:r>
+            <a:r>
+              <a:rPr lang="en-US" altLang="ja-JP" sz="1400" dirty="0"/>
+              <a:t> </a:t>
+            </a:r>
+            <a:r>
+              <a:rPr lang="en-US" altLang="ja-JP" sz="1400" dirty="0" smtClean="0"/>
+              <a:t>== </a:t>
+            </a:r>
+            <a:r>
+              <a:rPr lang="en-US" altLang="ja-JP" sz="1400" dirty="0"/>
+              <a:t>null</a:t>
+            </a:r>
+            <a:r>
+              <a:rPr lang="en-US" altLang="ja-JP" sz="1400" dirty="0" smtClean="0"/>
+              <a:t>) {</a:t>
+            </a:r>
+            <a:br>
+              <a:rPr lang="en-US" altLang="ja-JP" sz="1400" dirty="0" smtClean="0"/>
+            </a:br>
+            <a:r>
+              <a:rPr lang="en-US" altLang="ja-JP" sz="1400" dirty="0" smtClean="0"/>
+              <a:t>            </a:t>
+            </a:r>
+            <a:r>
+              <a:rPr lang="en-US" altLang="ja-JP" sz="1400" dirty="0" err="1"/>
+              <a:t>this</a:t>
+            </a:r>
+            <a:r>
+              <a:rPr lang="en-US" altLang="ja-JP" sz="1400" dirty="0" err="1" smtClean="0"/>
+              <a:t>.</a:t>
+            </a:r>
+            <a:r>
+              <a:rPr lang="en-US" altLang="ja-JP" sz="1400" dirty="0" err="1"/>
+              <a:t>flowCancelPath</a:t>
+            </a:r>
+            <a:r>
+              <a:rPr lang="en-US" altLang="ja-JP" sz="1400" dirty="0"/>
+              <a:t> </a:t>
+            </a:r>
+            <a:r>
+              <a:rPr lang="en-US" altLang="ja-JP" sz="1400" dirty="0" smtClean="0"/>
+              <a:t>= </a:t>
+            </a:r>
+            <a:r>
+              <a:rPr lang="en-US" altLang="ja-JP" sz="1400" dirty="0" err="1"/>
+              <a:t>flowFinishPath</a:t>
+            </a:r>
+            <a:r>
+              <a:rPr lang="en-US" altLang="ja-JP" sz="1400" dirty="0" smtClean="0"/>
+              <a:t>;</a:t>
+            </a:r>
+            <a:br>
+              <a:rPr lang="en-US" altLang="ja-JP" sz="1400" dirty="0" smtClean="0"/>
+            </a:br>
+            <a:r>
+              <a:rPr lang="en-US" altLang="ja-JP" sz="1400" dirty="0" smtClean="0"/>
+              <a:t>        }</a:t>
+            </a:r>
+            <a:br>
+              <a:rPr lang="en-US" altLang="ja-JP" sz="1400" dirty="0" smtClean="0"/>
+            </a:br>
+            <a:r>
+              <a:rPr lang="en-US" altLang="ja-JP" sz="1400" dirty="0" smtClean="0"/>
+              <a:t>    }</a:t>
+            </a:r>
+            <a:br>
+              <a:rPr lang="en-US" altLang="ja-JP" sz="1400" dirty="0" smtClean="0"/>
+            </a:br>
+            <a:r>
               <a:rPr lang="en-US" altLang="ja-JP" sz="1400" b="1" dirty="0" smtClean="0"/>
               <a:t>    </a:t>
             </a:r>
             <a:r>
               <a:rPr lang="en-US" altLang="ja-JP" sz="1400" b="1" dirty="0"/>
-              <a:t>public void </a:t>
+              <a:t>protected final void </a:t>
             </a:r>
             <a:r>
               <a:rPr lang="en-US" altLang="ja-JP" sz="1400" b="1" dirty="0" err="1" smtClean="0"/>
-              <a:t>validatePaths</a:t>
+              <a:t>validateAllowedPath</a:t>
             </a:r>
             <a:r>
               <a:rPr lang="en-US" altLang="ja-JP" sz="1400" b="1" dirty="0" smtClean="0"/>
-              <a:t>() {</a:t>
+              <a:t>(String path, String </a:t>
+            </a:r>
+            <a:r>
+              <a:rPr lang="en-US" altLang="ja-JP" sz="1400" b="1" dirty="0" err="1" smtClean="0"/>
+              <a:t>logicalPathName</a:t>
+            </a:r>
+            <a:r>
+              <a:rPr lang="en-US" altLang="ja-JP" sz="1400" b="1" dirty="0" smtClean="0"/>
+              <a:t>) {</a:t>
             </a:r>
             <a:br>
               <a:rPr lang="en-US" altLang="ja-JP" sz="1400" b="1" dirty="0" smtClean="0"/>
@@ -9283,234 +9388,127 @@
               <a:t>        </a:t>
             </a:r>
             <a:r>
-              <a:rPr lang="en-US" altLang="ja-JP" sz="1400" b="1" dirty="0" err="1" smtClean="0"/>
-              <a:t>validateAllowedPath</a:t>
+              <a:rPr lang="en-US" altLang="ja-JP" sz="1400" b="1" dirty="0"/>
+              <a:t>if </a:t>
             </a:r>
             <a:r>
               <a:rPr lang="en-US" altLang="ja-JP" sz="1400" b="1" dirty="0" smtClean="0"/>
-              <a:t>(</a:t>
-            </a:r>
-            <a:r>
-              <a:rPr lang="en-US" altLang="ja-JP" sz="1400" b="1" dirty="0" err="1"/>
-              <a:t>flowFinishPath</a:t>
+              <a:t>(path == </a:t>
+            </a:r>
+            <a:r>
+              <a:rPr lang="en-US" altLang="ja-JP" sz="1400" b="1" dirty="0"/>
+              <a:t>null</a:t>
             </a:r>
             <a:r>
               <a:rPr lang="en-US" altLang="ja-JP" sz="1400" b="1" dirty="0" smtClean="0"/>
-              <a:t>, </a:t>
-            </a:r>
-            <a:r>
-              <a:rPr lang="en-US" altLang="ja-JP" sz="1400" b="1" dirty="0"/>
-              <a:t>"finish path"</a:t>
-            </a:r>
-            <a:r>
-              <a:rPr lang="en-US" altLang="ja-JP" sz="1400" b="1" dirty="0" smtClean="0"/>
-              <a:t>);</a:t>
+              <a:t>) {</a:t>
             </a:r>
             <a:br>
               <a:rPr lang="en-US" altLang="ja-JP" sz="1400" b="1" dirty="0" smtClean="0"/>
             </a:br>
             <a:r>
               <a:rPr lang="en-US" altLang="ja-JP" sz="1400" b="1" dirty="0" smtClean="0"/>
-              <a:t>        </a:t>
-            </a:r>
-            <a:r>
-              <a:rPr lang="en-US" altLang="ja-JP" sz="1400" b="1" dirty="0" err="1" smtClean="0"/>
-              <a:t>validateAllowedPath</a:t>
+              <a:t>            </a:t>
+            </a:r>
+            <a:r>
+              <a:rPr lang="en-US" altLang="ja-JP" sz="1400" b="1" dirty="0"/>
+              <a:t>return</a:t>
             </a:r>
             <a:r>
               <a:rPr lang="en-US" altLang="ja-JP" sz="1400" b="1" dirty="0" smtClean="0"/>
-              <a:t>(</a:t>
-            </a:r>
-            <a:r>
-              <a:rPr lang="en-US" altLang="ja-JP" sz="1400" b="1" dirty="0" err="1"/>
-              <a:t>flowCancelPath</a:t>
-            </a:r>
-            <a:r>
-              <a:rPr lang="en-US" altLang="ja-JP" sz="1400" b="1" dirty="0" smtClean="0"/>
-              <a:t>, </a:t>
-            </a:r>
-            <a:r>
-              <a:rPr lang="en-US" altLang="ja-JP" sz="1400" b="1" dirty="0"/>
-              <a:t>"cancel path"</a:t>
-            </a:r>
-            <a:r>
-              <a:rPr lang="en-US" altLang="ja-JP" sz="1400" b="1" dirty="0" smtClean="0"/>
-              <a:t>);</a:t>
+              <a:t>;</a:t>
             </a:r>
             <a:br>
               <a:rPr lang="en-US" altLang="ja-JP" sz="1400" b="1" dirty="0" smtClean="0"/>
             </a:br>
             <a:r>
               <a:rPr lang="en-US" altLang="ja-JP" sz="1400" b="1" dirty="0" smtClean="0"/>
-              <a:t>    }</a:t>
+              <a:t>        }</a:t>
             </a:r>
             <a:br>
               <a:rPr lang="en-US" altLang="ja-JP" sz="1400" b="1" dirty="0" smtClean="0"/>
             </a:br>
             <a:r>
-              <a:rPr lang="en-US" altLang="ja-JP" sz="1400" dirty="0" smtClean="0"/>
-              <a:t>    </a:t>
-            </a:r>
-            <a:r>
-              <a:rPr lang="en-US" altLang="ja-JP" sz="1400" dirty="0"/>
-              <a:t>public void </a:t>
-            </a:r>
-            <a:r>
-              <a:rPr lang="en-US" altLang="ja-JP" sz="1400" dirty="0" err="1" smtClean="0"/>
-              <a:t>finalizePaths</a:t>
-            </a:r>
-            <a:r>
-              <a:rPr lang="en-US" altLang="ja-JP" sz="1400" dirty="0" smtClean="0"/>
-              <a:t>() {</a:t>
-            </a:r>
-            <a:br>
-              <a:rPr lang="en-US" altLang="ja-JP" sz="1400" dirty="0" smtClean="0"/>
-            </a:br>
-            <a:r>
-              <a:rPr lang="en-US" altLang="ja-JP" sz="1400" dirty="0" smtClean="0"/>
+              <a:rPr lang="en-US" altLang="ja-JP" sz="1400" b="1" dirty="0" smtClean="0"/>
               <a:t>        </a:t>
             </a:r>
             <a:r>
-              <a:rPr lang="en-US" altLang="ja-JP" sz="1400" dirty="0"/>
+              <a:rPr lang="en-US" altLang="ja-JP" sz="1400" b="1" dirty="0"/>
               <a:t>if </a:t>
             </a:r>
             <a:r>
-              <a:rPr lang="en-US" altLang="ja-JP" sz="1400" dirty="0" smtClean="0"/>
-              <a:t>(</a:t>
-            </a:r>
-            <a:r>
-              <a:rPr lang="en-US" altLang="ja-JP" sz="1400" dirty="0" err="1"/>
-              <a:t>flowCancelPath</a:t>
-            </a:r>
-            <a:r>
-              <a:rPr lang="en-US" altLang="ja-JP" sz="1400" dirty="0"/>
-              <a:t> </a:t>
-            </a:r>
-            <a:r>
-              <a:rPr lang="en-US" altLang="ja-JP" sz="1400" dirty="0" smtClean="0"/>
-              <a:t>== </a:t>
-            </a:r>
-            <a:r>
-              <a:rPr lang="en-US" altLang="ja-JP" sz="1400" dirty="0"/>
-              <a:t>null</a:t>
-            </a:r>
-            <a:r>
-              <a:rPr lang="en-US" altLang="ja-JP" sz="1400" dirty="0" smtClean="0"/>
-              <a:t>) {</a:t>
-            </a:r>
-            <a:br>
-              <a:rPr lang="en-US" altLang="ja-JP" sz="1400" dirty="0" smtClean="0"/>
-            </a:br>
-            <a:r>
-              <a:rPr lang="en-US" altLang="ja-JP" sz="1400" dirty="0" smtClean="0"/>
-              <a:t>            </a:t>
-            </a:r>
-            <a:r>
-              <a:rPr lang="en-US" altLang="ja-JP" sz="1400" dirty="0" err="1"/>
-              <a:t>this</a:t>
-            </a:r>
-            <a:r>
-              <a:rPr lang="en-US" altLang="ja-JP" sz="1400" dirty="0" err="1" smtClean="0"/>
-              <a:t>.</a:t>
-            </a:r>
-            <a:r>
-              <a:rPr lang="en-US" altLang="ja-JP" sz="1400" dirty="0" err="1"/>
-              <a:t>flowCancelPath</a:t>
-            </a:r>
-            <a:r>
-              <a:rPr lang="en-US" altLang="ja-JP" sz="1400" dirty="0"/>
-              <a:t> </a:t>
-            </a:r>
-            <a:r>
-              <a:rPr lang="en-US" altLang="ja-JP" sz="1400" dirty="0" smtClean="0"/>
-              <a:t>= </a:t>
-            </a:r>
-            <a:r>
-              <a:rPr lang="en-US" altLang="ja-JP" sz="1400" dirty="0" err="1"/>
-              <a:t>flowFinishPath</a:t>
-            </a:r>
-            <a:r>
-              <a:rPr lang="en-US" altLang="ja-JP" sz="1400" dirty="0" smtClean="0"/>
-              <a:t>;</a:t>
-            </a:r>
-            <a:br>
-              <a:rPr lang="en-US" altLang="ja-JP" sz="1400" dirty="0" smtClean="0"/>
-            </a:br>
-            <a:r>
-              <a:rPr lang="en-US" altLang="ja-JP" sz="1400" dirty="0" smtClean="0"/>
-              <a:t>        }</a:t>
-            </a:r>
-            <a:br>
-              <a:rPr lang="en-US" altLang="ja-JP" sz="1400" dirty="0" smtClean="0"/>
-            </a:br>
-            <a:r>
-              <a:rPr lang="en-US" altLang="ja-JP" sz="1400" dirty="0" smtClean="0"/>
-              <a:t>    }</a:t>
-            </a:r>
-            <a:br>
-              <a:rPr lang="en-US" altLang="ja-JP" sz="1400" dirty="0" smtClean="0"/>
-            </a:br>
-            <a:r>
               <a:rPr lang="en-US" altLang="ja-JP" sz="1400" b="1" dirty="0" smtClean="0"/>
-              <a:t>    </a:t>
-            </a:r>
-            <a:r>
-              <a:rPr lang="en-US" altLang="ja-JP" sz="1400" b="1" dirty="0"/>
-              <a:t>protected final void </a:t>
+              <a:t>(!</a:t>
             </a:r>
             <a:r>
               <a:rPr lang="en-US" altLang="ja-JP" sz="1400" b="1" dirty="0" err="1" smtClean="0"/>
-              <a:t>validateAllowedPath</a:t>
+              <a:t>path.isEmpty</a:t>
             </a:r>
             <a:r>
               <a:rPr lang="en-US" altLang="ja-JP" sz="1400" b="1" dirty="0" smtClean="0"/>
-              <a:t>(String path, String </a:t>
+              <a:t>() &amp;&amp; !</a:t>
+            </a:r>
+            <a:r>
+              <a:rPr lang="en-US" altLang="ja-JP" sz="1400" b="1" i="1" dirty="0" err="1"/>
+              <a:t>ALLOWED_PATH_PATTERN</a:t>
             </a:r>
             <a:r>
               <a:rPr lang="en-US" altLang="ja-JP" sz="1400" b="1" dirty="0" err="1" smtClean="0"/>
-              <a:t>logicalPathName</a:t>
+              <a:t>.matcher</a:t>
             </a:r>
             <a:r>
               <a:rPr lang="en-US" altLang="ja-JP" sz="1400" b="1" dirty="0" smtClean="0"/>
-              <a:t>) {</a:t>
+              <a:t>(path).matches()) {</a:t>
             </a:r>
             <a:br>
               <a:rPr lang="en-US" altLang="ja-JP" sz="1400" b="1" dirty="0" smtClean="0"/>
             </a:br>
             <a:r>
               <a:rPr lang="en-US" altLang="ja-JP" sz="1400" b="1" dirty="0" smtClean="0"/>
-              <a:t>        </a:t>
+              <a:t>            </a:t>
             </a:r>
             <a:r>
               <a:rPr lang="en-US" altLang="ja-JP" sz="1400" b="1" dirty="0"/>
-              <a:t>if </a:t>
+              <a:t>throw new </a:t>
+            </a:r>
+            <a:r>
+              <a:rPr lang="en-US" altLang="ja-JP" sz="1400" b="1" dirty="0" err="1" smtClean="0"/>
+              <a:t>RequestRejectedException</a:t>
             </a:r>
             <a:r>
               <a:rPr lang="en-US" altLang="ja-JP" sz="1400" b="1" dirty="0" smtClean="0"/>
-              <a:t>(path == </a:t>
-            </a:r>
-            <a:r>
-              <a:rPr lang="en-US" altLang="ja-JP" sz="1400" b="1" dirty="0"/>
-              <a:t>null</a:t>
-            </a:r>
-            <a:r>
-              <a:rPr lang="en-US" altLang="ja-JP" sz="1400" b="1" dirty="0" smtClean="0"/>
-              <a:t>) {</a:t>
+              <a:t>(</a:t>
             </a:r>
             <a:br>
               <a:rPr lang="en-US" altLang="ja-JP" sz="1400" b="1" dirty="0" smtClean="0"/>
             </a:br>
             <a:r>
               <a:rPr lang="en-US" altLang="ja-JP" sz="1400" b="1" dirty="0" smtClean="0"/>
-              <a:t>            </a:t>
+              <a:t>                    </a:t>
             </a:r>
             <a:r>
               <a:rPr lang="en-US" altLang="ja-JP" sz="1400" b="1" dirty="0"/>
-              <a:t>return</a:t>
+              <a:t>"Detected the forbidden path pattern into the shared screen flow " </a:t>
             </a:r>
             <a:r>
               <a:rPr lang="en-US" altLang="ja-JP" sz="1400" b="1" dirty="0" smtClean="0"/>
-              <a:t>;</a:t>
+              <a:t>+ </a:t>
+            </a:r>
+            <a:r>
+              <a:rPr lang="en-US" altLang="ja-JP" sz="1400" b="1" dirty="0" err="1" smtClean="0"/>
+              <a:t>logicalPathName</a:t>
+            </a:r>
+            <a:r>
+              <a:rPr lang="en-US" altLang="ja-JP" sz="1400" b="1" dirty="0" smtClean="0"/>
+              <a:t> + </a:t>
+            </a:r>
+            <a:r>
+              <a:rPr lang="en-US" altLang="ja-JP" sz="1400" b="1" dirty="0"/>
+              <a:t>". Rejected path : " </a:t>
+            </a:r>
+            <a:r>
+              <a:rPr lang="en-US" altLang="ja-JP" sz="1400" b="1" dirty="0" smtClean="0"/>
+              <a:t>+ path);</a:t>
             </a:r>
             <a:br>
               <a:rPr lang="en-US" altLang="ja-JP" sz="1400" b="1" dirty="0" smtClean="0"/>
@@ -9523,98 +9521,6 @@
               <a:rPr lang="en-US" altLang="ja-JP" sz="1400" b="1" dirty="0" smtClean="0"/>
             </a:br>
             <a:r>
-              <a:rPr lang="en-US" altLang="ja-JP" sz="1400" b="1" dirty="0" smtClean="0"/>
-              <a:t>        </a:t>
-            </a:r>
-            <a:r>
-              <a:rPr lang="en-US" altLang="ja-JP" sz="1400" b="1" dirty="0"/>
-              <a:t>if </a:t>
-            </a:r>
-            <a:r>
-              <a:rPr lang="en-US" altLang="ja-JP" sz="1400" b="1" dirty="0" smtClean="0"/>
-              <a:t>(!</a:t>
-            </a:r>
-            <a:r>
-              <a:rPr lang="en-US" altLang="ja-JP" sz="1400" b="1" dirty="0" err="1" smtClean="0"/>
-              <a:t>path.isEmpty</a:t>
-            </a:r>
-            <a:r>
-              <a:rPr lang="en-US" altLang="ja-JP" sz="1400" b="1" dirty="0" smtClean="0"/>
-              <a:t>() &amp;&amp; !</a:t>
-            </a:r>
-            <a:r>
-              <a:rPr lang="en-US" altLang="ja-JP" sz="1400" b="1" i="1" dirty="0" err="1"/>
-              <a:t>ALLOWED_PATH_PATTERN</a:t>
-            </a:r>
-            <a:r>
-              <a:rPr lang="en-US" altLang="ja-JP" sz="1400" b="1" dirty="0" err="1" smtClean="0"/>
-              <a:t>.matcher</a:t>
-            </a:r>
-            <a:r>
-              <a:rPr lang="en-US" altLang="ja-JP" sz="1400" b="1" dirty="0" smtClean="0"/>
-              <a:t>(path).matches()) {</a:t>
-            </a:r>
-            <a:br>
-              <a:rPr lang="en-US" altLang="ja-JP" sz="1400" b="1" dirty="0" smtClean="0"/>
-            </a:br>
-            <a:r>
-              <a:rPr lang="en-US" altLang="ja-JP" sz="1400" b="1" dirty="0" smtClean="0"/>
-              <a:t>            </a:t>
-            </a:r>
-            <a:r>
-              <a:rPr lang="en-US" altLang="ja-JP" sz="1400" b="1" dirty="0"/>
-              <a:t>throw new </a:t>
-            </a:r>
-            <a:r>
-              <a:rPr lang="en-US" altLang="ja-JP" sz="1400" b="1" dirty="0" err="1" smtClean="0"/>
-              <a:t>RequestRejectedException</a:t>
-            </a:r>
-            <a:r>
-              <a:rPr lang="en-US" altLang="ja-JP" sz="1400" b="1" dirty="0" smtClean="0"/>
-              <a:t>(</a:t>
-            </a:r>
-            <a:br>
-              <a:rPr lang="en-US" altLang="ja-JP" sz="1400" b="1" dirty="0" smtClean="0"/>
-            </a:br>
-            <a:r>
-              <a:rPr lang="en-US" altLang="ja-JP" sz="1400" b="1" dirty="0" smtClean="0"/>
-              <a:t>                    </a:t>
-            </a:r>
-            <a:r>
-              <a:rPr lang="en-US" altLang="ja-JP" sz="1400" b="1" dirty="0"/>
-              <a:t>"Detected the forbidden path pattern into the shared screen flow " </a:t>
-            </a:r>
-            <a:r>
-              <a:rPr lang="en-US" altLang="ja-JP" sz="1400" b="1" dirty="0" smtClean="0"/>
-              <a:t>+ </a:t>
-            </a:r>
-            <a:r>
-              <a:rPr lang="en-US" altLang="ja-JP" sz="1400" b="1" dirty="0" err="1" smtClean="0"/>
-              <a:t>logicalPathName</a:t>
-            </a:r>
-            <a:r>
-              <a:rPr lang="en-US" altLang="ja-JP" sz="1400" b="1" dirty="0" smtClean="0"/>
-              <a:t> + </a:t>
-            </a:r>
-            <a:r>
-              <a:rPr lang="en-US" altLang="ja-JP" sz="1400" b="1" dirty="0"/>
-              <a:t>". Rejected path : " </a:t>
-            </a:r>
-            <a:r>
-              <a:rPr lang="en-US" altLang="ja-JP" sz="1400" b="1" dirty="0" smtClean="0"/>
-              <a:t>+ path);</a:t>
-            </a:r>
-            <a:br>
-              <a:rPr lang="en-US" altLang="ja-JP" sz="1400" b="1" dirty="0" smtClean="0"/>
-            </a:br>
-            <a:r>
-              <a:rPr lang="en-US" altLang="ja-JP" sz="1400" b="1" dirty="0" smtClean="0"/>
-              <a:t>        }</a:t>
-            </a:r>
-            <a:br>
-              <a:rPr lang="en-US" altLang="ja-JP" sz="1400" b="1" dirty="0" smtClean="0"/>
-            </a:br>
-            <a:r>
               <a:rPr lang="en-US" altLang="ja-JP" sz="1400" dirty="0" smtClean="0"/>
               <a:t>    }</a:t>
             </a:r>
@@ -9630,7 +9536,7 @@
         </p:nvSpPr>
         <p:spPr>
           <a:xfrm>
-            <a:off x="2913030" y="1444642"/>
+            <a:off x="2924370" y="1444642"/>
             <a:ext cx="6012493" cy="2784627"/>
           </a:xfrm>
           <a:prstGeom prst="wedgeEllipseCallout">
@@ -11978,10 +11884,6 @@
             <a:r>
               <a:rPr lang="en-US" altLang="ja-JP" sz="1400" dirty="0" smtClean="0"/>
               <a:t>    // …</a:t>
-            </a:r>
-            <a:r>
-              <a:rPr lang="en-US" altLang="ja-JP" sz="1400" dirty="0" smtClean="0"/>
-              <a:t/>
             </a:r>
             <a:br>
               <a:rPr lang="en-US" altLang="ja-JP" sz="1400" dirty="0" smtClean="0"/>
@@ -13400,11 +13302,7 @@
           <a:p>
             <a:r>
               <a:rPr lang="ja-JP" altLang="en-US" sz="4000" dirty="0" smtClean="0"/>
-              <a:t>１．</a:t>
-            </a:r>
-            <a:r>
-              <a:rPr lang="ja-JP" altLang="en-US" sz="4000" dirty="0" smtClean="0"/>
-              <a:t>戻り先</a:t>
+              <a:t>１．戻り先</a:t>
             </a:r>
             <a:r>
               <a:rPr lang="ja-JP" altLang="en-US" sz="4000" dirty="0"/>
@@ -13457,11 +13355,7 @@
             </a:r>
             <a:r>
               <a:rPr lang="ja-JP" altLang="en-US" sz="3600" dirty="0" smtClean="0"/>
-              <a:t>リクエストパラメータ</a:t>
-            </a:r>
-            <a:r>
-              <a:rPr lang="ja-JP" altLang="en-US" sz="3600" dirty="0" smtClean="0"/>
-              <a:t>を使ってフロー内の処理でパス情報を引き回す。</a:t>
+              <a:t>リクエストパラメータを使ってフロー内の処理でパス情報を引き回す。</a:t>
             </a:r>
             <a:endParaRPr lang="en-US" altLang="ja-JP" sz="3600" dirty="0" smtClean="0"/>
           </a:p>
@@ -14764,15 +14658,7 @@
           <a:p>
             <a:r>
               <a:rPr lang="ja-JP" altLang="en-US" sz="4000" dirty="0" smtClean="0"/>
-              <a:t>２</a:t>
-            </a:r>
-            <a:r>
-              <a:rPr lang="ja-JP" altLang="en-US" sz="4000" dirty="0" smtClean="0"/>
-              <a:t>．</a:t>
-            </a:r>
-            <a:r>
-              <a:rPr lang="ja-JP" altLang="en-US" sz="4000" dirty="0" smtClean="0"/>
-              <a:t>処理結果の連携</a:t>
+              <a:t>２．処理結果の連携</a:t>
             </a:r>
             <a:r>
               <a:rPr kumimoji="1" lang="ja-JP" altLang="en-US" sz="4000" dirty="0" smtClean="0"/>
@@ -15269,11 +15155,7 @@
           <a:p>
             <a:r>
               <a:rPr lang="en-US" altLang="ja-JP" sz="1400" dirty="0" smtClean="0"/>
-              <a:t>    </a:t>
-            </a:r>
-            <a:r>
-              <a:rPr lang="en-US" altLang="ja-JP" sz="1400" dirty="0" smtClean="0"/>
-              <a:t>method </a:t>
+              <a:t>    method </a:t>
             </a:r>
             <a:r>
               <a:rPr lang="en-US" altLang="ja-JP" sz="1400" dirty="0"/>
@@ -15772,15 +15654,7 @@
                   <a:srgbClr val="FF0000"/>
                 </a:solidFill>
               </a:rPr>
-              <a:t>同時操作可能な</a:t>
-            </a:r>
-            <a:r>
-              <a:rPr lang="ja-JP" altLang="en-US" sz="3600" b="1" dirty="0" smtClean="0">
-                <a:solidFill>
-                  <a:srgbClr val="FF0000"/>
-                </a:solidFill>
-              </a:rPr>
-              <a:t>実現方式は継続調査。</a:t>
+              <a:t>同時操作可能な実現方式は継続調査。</a:t>
             </a:r>
             <a:endParaRPr lang="en-US" altLang="ja-JP" sz="3600" b="1" dirty="0" smtClean="0">
               <a:solidFill>
